--- a/diagfisico.pptx
+++ b/diagfisico.pptx
@@ -6,6 +6,8 @@
   </p:sldMasterIdLst>
   <p:sldIdLst>
     <p:sldId id="256" r:id="rId2"/>
+    <p:sldId id="257" r:id="rId3"/>
+    <p:sldId id="258" r:id="rId4"/>
   </p:sldIdLst>
   <p:sldSz cx="12192000" cy="6858000"/>
   <p:notesSz cx="6858000" cy="9144000"/>
@@ -104,6 +106,11 @@
       </a:defRPr>
     </a:lvl9pPr>
   </p:defaultTextStyle>
+  <p:extLst>
+    <p:ext uri="{EFAFB233-063F-42B5-8137-9DF3F51BA10A}">
+      <p15:sldGuideLst xmlns:p15="http://schemas.microsoft.com/office/powerpoint/2012/main"/>
+    </p:ext>
+  </p:extLst>
 </p:presentation>
 </file>
 
@@ -238,7 +245,7 @@
           <a:p>
             <a:fld id="{23901B4D-2C9C-4E00-AFFA-2A76534B09CD}" type="datetimeFigureOut">
               <a:rPr lang="es-AR" smtClean="0"/>
-              <a:t>29/05/2013</a:t>
+              <a:t>30/05/2013</a:t>
             </a:fld>
             <a:endParaRPr lang="es-AR"/>
           </a:p>
@@ -408,7 +415,7 @@
           <a:p>
             <a:fld id="{23901B4D-2C9C-4E00-AFFA-2A76534B09CD}" type="datetimeFigureOut">
               <a:rPr lang="es-AR" smtClean="0"/>
-              <a:t>29/05/2013</a:t>
+              <a:t>30/05/2013</a:t>
             </a:fld>
             <a:endParaRPr lang="es-AR"/>
           </a:p>
@@ -588,7 +595,7 @@
           <a:p>
             <a:fld id="{23901B4D-2C9C-4E00-AFFA-2A76534B09CD}" type="datetimeFigureOut">
               <a:rPr lang="es-AR" smtClean="0"/>
-              <a:t>29/05/2013</a:t>
+              <a:t>30/05/2013</a:t>
             </a:fld>
             <a:endParaRPr lang="es-AR"/>
           </a:p>
@@ -758,7 +765,7 @@
           <a:p>
             <a:fld id="{23901B4D-2C9C-4E00-AFFA-2A76534B09CD}" type="datetimeFigureOut">
               <a:rPr lang="es-AR" smtClean="0"/>
-              <a:t>29/05/2013</a:t>
+              <a:t>30/05/2013</a:t>
             </a:fld>
             <a:endParaRPr lang="es-AR"/>
           </a:p>
@@ -1004,7 +1011,7 @@
           <a:p>
             <a:fld id="{23901B4D-2C9C-4E00-AFFA-2A76534B09CD}" type="datetimeFigureOut">
               <a:rPr lang="es-AR" smtClean="0"/>
-              <a:t>29/05/2013</a:t>
+              <a:t>30/05/2013</a:t>
             </a:fld>
             <a:endParaRPr lang="es-AR"/>
           </a:p>
@@ -1236,7 +1243,7 @@
           <a:p>
             <a:fld id="{23901B4D-2C9C-4E00-AFFA-2A76534B09CD}" type="datetimeFigureOut">
               <a:rPr lang="es-AR" smtClean="0"/>
-              <a:t>29/05/2013</a:t>
+              <a:t>30/05/2013</a:t>
             </a:fld>
             <a:endParaRPr lang="es-AR"/>
           </a:p>
@@ -1603,7 +1610,7 @@
           <a:p>
             <a:fld id="{23901B4D-2C9C-4E00-AFFA-2A76534B09CD}" type="datetimeFigureOut">
               <a:rPr lang="es-AR" smtClean="0"/>
-              <a:t>29/05/2013</a:t>
+              <a:t>30/05/2013</a:t>
             </a:fld>
             <a:endParaRPr lang="es-AR"/>
           </a:p>
@@ -1721,7 +1728,7 @@
           <a:p>
             <a:fld id="{23901B4D-2C9C-4E00-AFFA-2A76534B09CD}" type="datetimeFigureOut">
               <a:rPr lang="es-AR" smtClean="0"/>
-              <a:t>29/05/2013</a:t>
+              <a:t>30/05/2013</a:t>
             </a:fld>
             <a:endParaRPr lang="es-AR"/>
           </a:p>
@@ -1816,7 +1823,7 @@
           <a:p>
             <a:fld id="{23901B4D-2C9C-4E00-AFFA-2A76534B09CD}" type="datetimeFigureOut">
               <a:rPr lang="es-AR" smtClean="0"/>
-              <a:t>29/05/2013</a:t>
+              <a:t>30/05/2013</a:t>
             </a:fld>
             <a:endParaRPr lang="es-AR"/>
           </a:p>
@@ -2093,7 +2100,7 @@
           <a:p>
             <a:fld id="{23901B4D-2C9C-4E00-AFFA-2A76534B09CD}" type="datetimeFigureOut">
               <a:rPr lang="es-AR" smtClean="0"/>
-              <a:t>29/05/2013</a:t>
+              <a:t>30/05/2013</a:t>
             </a:fld>
             <a:endParaRPr lang="es-AR"/>
           </a:p>
@@ -2346,7 +2353,7 @@
           <a:p>
             <a:fld id="{23901B4D-2C9C-4E00-AFFA-2A76534B09CD}" type="datetimeFigureOut">
               <a:rPr lang="es-AR" smtClean="0"/>
-              <a:t>29/05/2013</a:t>
+              <a:t>30/05/2013</a:t>
             </a:fld>
             <a:endParaRPr lang="es-AR"/>
           </a:p>
@@ -2559,7 +2566,7 @@
           <a:p>
             <a:fld id="{23901B4D-2C9C-4E00-AFFA-2A76534B09CD}" type="datetimeFigureOut">
               <a:rPr lang="es-AR" smtClean="0"/>
-              <a:t>29/05/2013</a:t>
+              <a:t>30/05/2013</a:t>
             </a:fld>
             <a:endParaRPr lang="es-AR"/>
           </a:p>
@@ -3794,6 +3801,805 @@
 </p:sld>
 </file>
 
+<file path=ppt/slides/slide2.xml><?xml version="1.0" encoding="utf-8"?>
+<p:sld xmlns:a="http://schemas.openxmlformats.org/drawingml/2006/main" xmlns:r="http://schemas.openxmlformats.org/officeDocument/2006/relationships" xmlns:p="http://schemas.openxmlformats.org/presentationml/2006/main">
+  <p:cSld>
+    <p:spTree>
+      <p:nvGrpSpPr>
+        <p:cNvPr id="1" name=""/>
+        <p:cNvGrpSpPr/>
+        <p:nvPr/>
+      </p:nvGrpSpPr>
+      <p:grpSpPr>
+        <a:xfrm>
+          <a:off x="0" y="0"/>
+          <a:ext cx="0" cy="0"/>
+          <a:chOff x="0" y="0"/>
+          <a:chExt cx="0" cy="0"/>
+        </a:xfrm>
+      </p:grpSpPr>
+      <p:sp>
+        <p:nvSpPr>
+          <p:cNvPr id="4" name="Rectangle 3"/>
+          <p:cNvSpPr/>
+          <p:nvPr/>
+        </p:nvSpPr>
+        <p:spPr>
+          <a:xfrm>
+            <a:off x="0" y="1236371"/>
+            <a:ext cx="7517076" cy="4159876"/>
+          </a:xfrm>
+          <a:prstGeom prst="rect">
+            <a:avLst/>
+          </a:prstGeom>
+          <a:solidFill>
+            <a:schemeClr val="accent2">
+              <a:lumMod val="20000"/>
+              <a:lumOff val="80000"/>
+            </a:schemeClr>
+          </a:solidFill>
+          <a:ln>
+            <a:noFill/>
+          </a:ln>
+        </p:spPr>
+        <p:style>
+          <a:lnRef idx="1">
+            <a:schemeClr val="accent2"/>
+          </a:lnRef>
+          <a:fillRef idx="2">
+            <a:schemeClr val="accent2"/>
+          </a:fillRef>
+          <a:effectRef idx="1">
+            <a:schemeClr val="accent2"/>
+          </a:effectRef>
+          <a:fontRef idx="minor">
+            <a:schemeClr val="dk1"/>
+          </a:fontRef>
+        </p:style>
+        <p:txBody>
+          <a:bodyPr rtlCol="0" anchor="ctr"/>
+          <a:lstStyle/>
+          <a:p>
+            <a:pPr algn="ctr"/>
+            <a:endParaRPr lang="es-AR"/>
+          </a:p>
+        </p:txBody>
+      </p:sp>
+      <p:sp>
+        <p:nvSpPr>
+          <p:cNvPr id="7" name="Rounded Rectangle 6"/>
+          <p:cNvSpPr/>
+          <p:nvPr/>
+        </p:nvSpPr>
+        <p:spPr>
+          <a:xfrm>
+            <a:off x="5134485" y="3455401"/>
+            <a:ext cx="2171467" cy="819740"/>
+          </a:xfrm>
+          <a:prstGeom prst="roundRect">
+            <a:avLst/>
+          </a:prstGeom>
+        </p:spPr>
+        <p:style>
+          <a:lnRef idx="1">
+            <a:schemeClr val="accent6"/>
+          </a:lnRef>
+          <a:fillRef idx="2">
+            <a:schemeClr val="accent6"/>
+          </a:fillRef>
+          <a:effectRef idx="1">
+            <a:schemeClr val="accent6"/>
+          </a:effectRef>
+          <a:fontRef idx="minor">
+            <a:schemeClr val="dk1"/>
+          </a:fontRef>
+        </p:style>
+        <p:txBody>
+          <a:bodyPr rtlCol="0" anchor="ctr"/>
+          <a:lstStyle/>
+          <a:p>
+            <a:pPr algn="ctr"/>
+            <a:r>
+              <a:rPr lang="es-AR" dirty="0" smtClean="0"/>
+              <a:t>REST API </a:t>
+            </a:r>
+            <a:r>
+              <a:rPr lang="es-AR" dirty="0" err="1" smtClean="0"/>
+              <a:t>Services</a:t>
+            </a:r>
+            <a:endParaRPr lang="es-AR" dirty="0"/>
+          </a:p>
+        </p:txBody>
+      </p:sp>
+      <p:sp>
+        <p:nvSpPr>
+          <p:cNvPr id="9" name="Rounded Rectangle 8"/>
+          <p:cNvSpPr/>
+          <p:nvPr/>
+        </p:nvSpPr>
+        <p:spPr>
+          <a:xfrm>
+            <a:off x="263298" y="3455401"/>
+            <a:ext cx="2127987" cy="819740"/>
+          </a:xfrm>
+          <a:prstGeom prst="roundRect">
+            <a:avLst/>
+          </a:prstGeom>
+        </p:spPr>
+        <p:style>
+          <a:lnRef idx="1">
+            <a:schemeClr val="accent4"/>
+          </a:lnRef>
+          <a:fillRef idx="2">
+            <a:schemeClr val="accent4"/>
+          </a:fillRef>
+          <a:effectRef idx="1">
+            <a:schemeClr val="accent4"/>
+          </a:effectRef>
+          <a:fontRef idx="minor">
+            <a:schemeClr val="dk1"/>
+          </a:fontRef>
+        </p:style>
+        <p:txBody>
+          <a:bodyPr rtlCol="0" anchor="ctr"/>
+          <a:lstStyle/>
+          <a:p>
+            <a:pPr algn="ctr"/>
+            <a:r>
+              <a:rPr lang="es-AR" dirty="0" err="1" smtClean="0"/>
+              <a:t>Model</a:t>
+            </a:r>
+            <a:endParaRPr lang="es-AR" dirty="0"/>
+          </a:p>
+        </p:txBody>
+      </p:sp>
+      <p:sp>
+        <p:nvSpPr>
+          <p:cNvPr id="10" name="Rounded Rectangle 9"/>
+          <p:cNvSpPr/>
+          <p:nvPr/>
+        </p:nvSpPr>
+        <p:spPr>
+          <a:xfrm>
+            <a:off x="263299" y="1815921"/>
+            <a:ext cx="7042652" cy="819740"/>
+          </a:xfrm>
+          <a:prstGeom prst="roundRect">
+            <a:avLst/>
+          </a:prstGeom>
+        </p:spPr>
+        <p:style>
+          <a:lnRef idx="1">
+            <a:schemeClr val="accent5"/>
+          </a:lnRef>
+          <a:fillRef idx="2">
+            <a:schemeClr val="accent5"/>
+          </a:fillRef>
+          <a:effectRef idx="1">
+            <a:schemeClr val="accent5"/>
+          </a:effectRef>
+          <a:fontRef idx="minor">
+            <a:schemeClr val="dk1"/>
+          </a:fontRef>
+        </p:style>
+        <p:txBody>
+          <a:bodyPr rtlCol="0" anchor="ctr"/>
+          <a:lstStyle/>
+          <a:p>
+            <a:pPr algn="ctr"/>
+            <a:r>
+              <a:rPr lang="es-AR" dirty="0" smtClean="0"/>
+              <a:t>View</a:t>
+            </a:r>
+            <a:endParaRPr lang="es-AR" dirty="0"/>
+          </a:p>
+        </p:txBody>
+      </p:sp>
+      <p:sp>
+        <p:nvSpPr>
+          <p:cNvPr id="11" name="Rounded Rectangle 10"/>
+          <p:cNvSpPr/>
+          <p:nvPr/>
+        </p:nvSpPr>
+        <p:spPr>
+          <a:xfrm>
+            <a:off x="263299" y="2635661"/>
+            <a:ext cx="7042652" cy="819740"/>
+          </a:xfrm>
+          <a:prstGeom prst="roundRect">
+            <a:avLst/>
+          </a:prstGeom>
+        </p:spPr>
+        <p:style>
+          <a:lnRef idx="1">
+            <a:schemeClr val="accent3"/>
+          </a:lnRef>
+          <a:fillRef idx="2">
+            <a:schemeClr val="accent3"/>
+          </a:fillRef>
+          <a:effectRef idx="1">
+            <a:schemeClr val="accent3"/>
+          </a:effectRef>
+          <a:fontRef idx="minor">
+            <a:schemeClr val="dk1"/>
+          </a:fontRef>
+        </p:style>
+        <p:txBody>
+          <a:bodyPr rtlCol="0" anchor="ctr"/>
+          <a:lstStyle/>
+          <a:p>
+            <a:pPr algn="ctr"/>
+            <a:r>
+              <a:rPr lang="es-AR" dirty="0" err="1" smtClean="0"/>
+              <a:t>Controller</a:t>
+            </a:r>
+            <a:endParaRPr lang="es-AR" dirty="0"/>
+          </a:p>
+        </p:txBody>
+      </p:sp>
+      <p:sp>
+        <p:nvSpPr>
+          <p:cNvPr id="13" name="Rounded Rectangle 12"/>
+          <p:cNvSpPr/>
+          <p:nvPr/>
+        </p:nvSpPr>
+        <p:spPr>
+          <a:xfrm>
+            <a:off x="263298" y="4275141"/>
+            <a:ext cx="7042653" cy="819740"/>
+          </a:xfrm>
+          <a:prstGeom prst="roundRect">
+            <a:avLst/>
+          </a:prstGeom>
+          <a:gradFill>
+            <a:gsLst>
+              <a:gs pos="0">
+                <a:schemeClr val="accent2">
+                  <a:lumMod val="75000"/>
+                </a:schemeClr>
+              </a:gs>
+              <a:gs pos="50000">
+                <a:schemeClr val="accent2">
+                  <a:lumMod val="75000"/>
+                </a:schemeClr>
+              </a:gs>
+              <a:gs pos="100000">
+                <a:schemeClr val="accent2"/>
+              </a:gs>
+            </a:gsLst>
+          </a:gradFill>
+        </p:spPr>
+        <p:style>
+          <a:lnRef idx="1">
+            <a:schemeClr val="dk1"/>
+          </a:lnRef>
+          <a:fillRef idx="2">
+            <a:schemeClr val="dk1"/>
+          </a:fillRef>
+          <a:effectRef idx="1">
+            <a:schemeClr val="dk1"/>
+          </a:effectRef>
+          <a:fontRef idx="minor">
+            <a:schemeClr val="dk1"/>
+          </a:fontRef>
+        </p:style>
+        <p:txBody>
+          <a:bodyPr rtlCol="0" anchor="ctr"/>
+          <a:lstStyle/>
+          <a:p>
+            <a:pPr algn="ctr"/>
+            <a:r>
+              <a:rPr lang="es-AR" dirty="0" smtClean="0"/>
+              <a:t>Mobile </a:t>
+            </a:r>
+            <a:r>
+              <a:rPr lang="es-AR" dirty="0" err="1" smtClean="0"/>
+              <a:t>Platform</a:t>
+            </a:r>
+            <a:r>
+              <a:rPr lang="es-AR" dirty="0" smtClean="0"/>
+              <a:t> Framework &amp; </a:t>
+            </a:r>
+            <a:r>
+              <a:rPr lang="es-AR" dirty="0" err="1" smtClean="0"/>
+              <a:t>Libraries</a:t>
+            </a:r>
+            <a:endParaRPr lang="es-AR" dirty="0"/>
+          </a:p>
+        </p:txBody>
+      </p:sp>
+      <p:sp>
+        <p:nvSpPr>
+          <p:cNvPr id="14" name="Rounded Rectangle 13"/>
+          <p:cNvSpPr/>
+          <p:nvPr/>
+        </p:nvSpPr>
+        <p:spPr>
+          <a:xfrm>
+            <a:off x="2391285" y="3455401"/>
+            <a:ext cx="2743199" cy="819740"/>
+          </a:xfrm>
+          <a:prstGeom prst="roundRect">
+            <a:avLst/>
+          </a:prstGeom>
+          <a:gradFill>
+            <a:gsLst>
+              <a:gs pos="0">
+                <a:srgbClr val="FC9280"/>
+              </a:gs>
+              <a:gs pos="50000">
+                <a:srgbClr val="EE5140"/>
+              </a:gs>
+              <a:gs pos="100000">
+                <a:srgbClr val="FC2610"/>
+              </a:gs>
+            </a:gsLst>
+          </a:gradFill>
+        </p:spPr>
+        <p:style>
+          <a:lnRef idx="1">
+            <a:schemeClr val="accent6"/>
+          </a:lnRef>
+          <a:fillRef idx="2">
+            <a:schemeClr val="accent6"/>
+          </a:fillRef>
+          <a:effectRef idx="1">
+            <a:schemeClr val="accent6"/>
+          </a:effectRef>
+          <a:fontRef idx="minor">
+            <a:schemeClr val="dk1"/>
+          </a:fontRef>
+        </p:style>
+        <p:txBody>
+          <a:bodyPr rtlCol="0" anchor="ctr"/>
+          <a:lstStyle/>
+          <a:p>
+            <a:pPr algn="ctr"/>
+            <a:r>
+              <a:rPr lang="es-AR" dirty="0" err="1" smtClean="0"/>
+              <a:t>Other</a:t>
+            </a:r>
+            <a:r>
+              <a:rPr lang="es-AR" dirty="0" smtClean="0"/>
+              <a:t> </a:t>
+            </a:r>
+            <a:r>
+              <a:rPr lang="es-AR" dirty="0" err="1" smtClean="0"/>
+              <a:t>Services</a:t>
+            </a:r>
+            <a:endParaRPr lang="es-AR" dirty="0"/>
+          </a:p>
+        </p:txBody>
+      </p:sp>
+      <p:sp>
+        <p:nvSpPr>
+          <p:cNvPr id="15" name="TextBox 14"/>
+          <p:cNvSpPr txBox="1"/>
+          <p:nvPr/>
+        </p:nvSpPr>
+        <p:spPr>
+          <a:xfrm>
+            <a:off x="356423" y="1352281"/>
+            <a:ext cx="1081825" cy="369332"/>
+          </a:xfrm>
+          <a:prstGeom prst="rect">
+            <a:avLst/>
+          </a:prstGeom>
+          <a:noFill/>
+        </p:spPr>
+        <p:txBody>
+          <a:bodyPr wrap="square" rtlCol="0">
+            <a:spAutoFit/>
+          </a:bodyPr>
+          <a:lstStyle/>
+          <a:p>
+            <a:r>
+              <a:rPr lang="es-AR" b="1" dirty="0" err="1" smtClean="0"/>
+              <a:t>Client</a:t>
+            </a:r>
+            <a:endParaRPr lang="es-AR" b="1" dirty="0"/>
+          </a:p>
+        </p:txBody>
+      </p:sp>
+    </p:spTree>
+    <p:extLst>
+      <p:ext uri="{BB962C8B-B14F-4D97-AF65-F5344CB8AC3E}">
+        <p14:creationId xmlns:p14="http://schemas.microsoft.com/office/powerpoint/2010/main" val="1478832172"/>
+      </p:ext>
+    </p:extLst>
+  </p:cSld>
+  <p:clrMapOvr>
+    <a:masterClrMapping/>
+  </p:clrMapOvr>
+</p:sld>
+</file>
+
+<file path=ppt/slides/slide3.xml><?xml version="1.0" encoding="utf-8"?>
+<p:sld xmlns:a="http://schemas.openxmlformats.org/drawingml/2006/main" xmlns:r="http://schemas.openxmlformats.org/officeDocument/2006/relationships" xmlns:p="http://schemas.openxmlformats.org/presentationml/2006/main">
+  <p:cSld>
+    <p:spTree>
+      <p:nvGrpSpPr>
+        <p:cNvPr id="1" name=""/>
+        <p:cNvGrpSpPr/>
+        <p:nvPr/>
+      </p:nvGrpSpPr>
+      <p:grpSpPr>
+        <a:xfrm>
+          <a:off x="0" y="0"/>
+          <a:ext cx="0" cy="0"/>
+          <a:chOff x="0" y="0"/>
+          <a:chExt cx="0" cy="0"/>
+        </a:xfrm>
+      </p:grpSpPr>
+      <p:sp>
+        <p:nvSpPr>
+          <p:cNvPr id="4" name="Rectangle 3"/>
+          <p:cNvSpPr/>
+          <p:nvPr/>
+        </p:nvSpPr>
+        <p:spPr>
+          <a:xfrm>
+            <a:off x="2073498" y="1609858"/>
+            <a:ext cx="7517076" cy="4159876"/>
+          </a:xfrm>
+          <a:prstGeom prst="rect">
+            <a:avLst/>
+          </a:prstGeom>
+          <a:solidFill>
+            <a:schemeClr val="accent2">
+              <a:lumMod val="20000"/>
+              <a:lumOff val="80000"/>
+            </a:schemeClr>
+          </a:solidFill>
+          <a:ln>
+            <a:noFill/>
+          </a:ln>
+        </p:spPr>
+        <p:style>
+          <a:lnRef idx="1">
+            <a:schemeClr val="accent2"/>
+          </a:lnRef>
+          <a:fillRef idx="2">
+            <a:schemeClr val="accent2"/>
+          </a:fillRef>
+          <a:effectRef idx="1">
+            <a:schemeClr val="accent2"/>
+          </a:effectRef>
+          <a:fontRef idx="minor">
+            <a:schemeClr val="dk1"/>
+          </a:fontRef>
+        </p:style>
+        <p:txBody>
+          <a:bodyPr rtlCol="0" anchor="ctr"/>
+          <a:lstStyle/>
+          <a:p>
+            <a:pPr algn="ctr"/>
+            <a:endParaRPr lang="es-AR"/>
+          </a:p>
+        </p:txBody>
+      </p:sp>
+      <p:sp>
+        <p:nvSpPr>
+          <p:cNvPr id="7" name="Rounded Rectangle 6"/>
+          <p:cNvSpPr/>
+          <p:nvPr/>
+        </p:nvSpPr>
+        <p:spPr>
+          <a:xfrm>
+            <a:off x="2336797" y="2189408"/>
+            <a:ext cx="7042652" cy="819740"/>
+          </a:xfrm>
+          <a:prstGeom prst="roundRect">
+            <a:avLst/>
+          </a:prstGeom>
+        </p:spPr>
+        <p:style>
+          <a:lnRef idx="1">
+            <a:schemeClr val="accent5"/>
+          </a:lnRef>
+          <a:fillRef idx="2">
+            <a:schemeClr val="accent5"/>
+          </a:fillRef>
+          <a:effectRef idx="1">
+            <a:schemeClr val="accent5"/>
+          </a:effectRef>
+          <a:fontRef idx="minor">
+            <a:schemeClr val="dk1"/>
+          </a:fontRef>
+        </p:style>
+        <p:txBody>
+          <a:bodyPr rtlCol="0" anchor="ctr"/>
+          <a:lstStyle/>
+          <a:p>
+            <a:pPr algn="ctr"/>
+            <a:r>
+              <a:rPr lang="es-AR" dirty="0" smtClean="0"/>
+              <a:t>REST API</a:t>
+            </a:r>
+            <a:endParaRPr lang="es-AR" dirty="0"/>
+          </a:p>
+        </p:txBody>
+      </p:sp>
+      <p:sp>
+        <p:nvSpPr>
+          <p:cNvPr id="8" name="Rounded Rectangle 7"/>
+          <p:cNvSpPr/>
+          <p:nvPr/>
+        </p:nvSpPr>
+        <p:spPr>
+          <a:xfrm>
+            <a:off x="2336797" y="3817528"/>
+            <a:ext cx="7042652" cy="819740"/>
+          </a:xfrm>
+          <a:prstGeom prst="roundRect">
+            <a:avLst/>
+          </a:prstGeom>
+        </p:spPr>
+        <p:style>
+          <a:lnRef idx="1">
+            <a:schemeClr val="accent3"/>
+          </a:lnRef>
+          <a:fillRef idx="2">
+            <a:schemeClr val="accent3"/>
+          </a:fillRef>
+          <a:effectRef idx="1">
+            <a:schemeClr val="accent3"/>
+          </a:effectRef>
+          <a:fontRef idx="minor">
+            <a:schemeClr val="dk1"/>
+          </a:fontRef>
+        </p:style>
+        <p:txBody>
+          <a:bodyPr rtlCol="0" anchor="ctr"/>
+          <a:lstStyle/>
+          <a:p>
+            <a:pPr algn="ctr"/>
+            <a:r>
+              <a:rPr lang="es-AR" dirty="0" smtClean="0"/>
+              <a:t>Business </a:t>
+            </a:r>
+            <a:r>
+              <a:rPr lang="es-AR" dirty="0" err="1" smtClean="0"/>
+              <a:t>Layer</a:t>
+            </a:r>
+            <a:endParaRPr lang="es-AR" dirty="0"/>
+          </a:p>
+        </p:txBody>
+      </p:sp>
+      <p:sp>
+        <p:nvSpPr>
+          <p:cNvPr id="9" name="Rounded Rectangle 8"/>
+          <p:cNvSpPr/>
+          <p:nvPr/>
+        </p:nvSpPr>
+        <p:spPr>
+          <a:xfrm>
+            <a:off x="2336796" y="4648628"/>
+            <a:ext cx="7042653" cy="819740"/>
+          </a:xfrm>
+          <a:prstGeom prst="roundRect">
+            <a:avLst/>
+          </a:prstGeom>
+          <a:gradFill>
+            <a:gsLst>
+              <a:gs pos="0">
+                <a:schemeClr val="accent2">
+                  <a:lumMod val="75000"/>
+                </a:schemeClr>
+              </a:gs>
+              <a:gs pos="50000">
+                <a:schemeClr val="accent2">
+                  <a:lumMod val="75000"/>
+                </a:schemeClr>
+              </a:gs>
+              <a:gs pos="100000">
+                <a:schemeClr val="accent2"/>
+              </a:gs>
+            </a:gsLst>
+          </a:gradFill>
+        </p:spPr>
+        <p:style>
+          <a:lnRef idx="1">
+            <a:schemeClr val="dk1"/>
+          </a:lnRef>
+          <a:fillRef idx="2">
+            <a:schemeClr val="dk1"/>
+          </a:fillRef>
+          <a:effectRef idx="1">
+            <a:schemeClr val="dk1"/>
+          </a:effectRef>
+          <a:fontRef idx="minor">
+            <a:schemeClr val="dk1"/>
+          </a:fontRef>
+        </p:style>
+        <p:txBody>
+          <a:bodyPr rtlCol="0" anchor="ctr"/>
+          <a:lstStyle/>
+          <a:p>
+            <a:pPr algn="ctr"/>
+            <a:r>
+              <a:rPr lang="es-AR" dirty="0" err="1" smtClean="0"/>
+              <a:t>Persistence</a:t>
+            </a:r>
+            <a:r>
+              <a:rPr lang="es-AR" dirty="0" smtClean="0"/>
+              <a:t> </a:t>
+            </a:r>
+            <a:r>
+              <a:rPr lang="es-AR" dirty="0" err="1" smtClean="0"/>
+              <a:t>Layer</a:t>
+            </a:r>
+            <a:endParaRPr lang="es-AR" dirty="0"/>
+          </a:p>
+        </p:txBody>
+      </p:sp>
+      <p:sp>
+        <p:nvSpPr>
+          <p:cNvPr id="10" name="Rounded Rectangle 9"/>
+          <p:cNvSpPr/>
+          <p:nvPr/>
+        </p:nvSpPr>
+        <p:spPr>
+          <a:xfrm>
+            <a:off x="2336796" y="3020508"/>
+            <a:ext cx="7042653" cy="819740"/>
+          </a:xfrm>
+          <a:prstGeom prst="roundRect">
+            <a:avLst/>
+          </a:prstGeom>
+          <a:gradFill>
+            <a:gsLst>
+              <a:gs pos="0">
+                <a:srgbClr val="FC9280"/>
+              </a:gs>
+              <a:gs pos="50000">
+                <a:srgbClr val="EE5140"/>
+              </a:gs>
+              <a:gs pos="100000">
+                <a:srgbClr val="FC2610"/>
+              </a:gs>
+            </a:gsLst>
+          </a:gradFill>
+        </p:spPr>
+        <p:style>
+          <a:lnRef idx="1">
+            <a:schemeClr val="accent6"/>
+          </a:lnRef>
+          <a:fillRef idx="2">
+            <a:schemeClr val="accent6"/>
+          </a:fillRef>
+          <a:effectRef idx="1">
+            <a:schemeClr val="accent6"/>
+          </a:effectRef>
+          <a:fontRef idx="minor">
+            <a:schemeClr val="dk1"/>
+          </a:fontRef>
+        </p:style>
+        <p:txBody>
+          <a:bodyPr rtlCol="0" anchor="ctr"/>
+          <a:lstStyle/>
+          <a:p>
+            <a:pPr algn="ctr"/>
+            <a:r>
+              <a:rPr lang="es-AR" dirty="0" err="1"/>
+              <a:t>Presentation</a:t>
+            </a:r>
+            <a:r>
+              <a:rPr lang="es-AR" dirty="0"/>
+              <a:t> </a:t>
+            </a:r>
+            <a:r>
+              <a:rPr lang="es-AR" dirty="0" err="1"/>
+              <a:t>Layer</a:t>
+            </a:r>
+            <a:r>
+              <a:rPr lang="es-AR" dirty="0"/>
+              <a:t> (</a:t>
+            </a:r>
+            <a:r>
+              <a:rPr lang="es-AR" dirty="0" err="1"/>
+              <a:t>Model</a:t>
+            </a:r>
+            <a:r>
+              <a:rPr lang="es-AR" dirty="0"/>
+              <a:t> &lt;-&gt; </a:t>
+            </a:r>
+            <a:r>
+              <a:rPr lang="es-AR" dirty="0" err="1"/>
+              <a:t>DTOs</a:t>
+            </a:r>
+            <a:r>
+              <a:rPr lang="es-AR" dirty="0"/>
+              <a:t>)</a:t>
+            </a:r>
+          </a:p>
+        </p:txBody>
+      </p:sp>
+      <p:sp>
+        <p:nvSpPr>
+          <p:cNvPr id="11" name="TextBox 10"/>
+          <p:cNvSpPr txBox="1"/>
+          <p:nvPr/>
+        </p:nvSpPr>
+        <p:spPr>
+          <a:xfrm>
+            <a:off x="2429921" y="1725768"/>
+            <a:ext cx="1081825" cy="369332"/>
+          </a:xfrm>
+          <a:prstGeom prst="rect">
+            <a:avLst/>
+          </a:prstGeom>
+          <a:noFill/>
+        </p:spPr>
+        <p:txBody>
+          <a:bodyPr wrap="square" rtlCol="0">
+            <a:spAutoFit/>
+          </a:bodyPr>
+          <a:lstStyle/>
+          <a:p>
+            <a:r>
+              <a:rPr lang="es-AR" b="1" dirty="0" smtClean="0"/>
+              <a:t>Server</a:t>
+            </a:r>
+            <a:endParaRPr lang="es-AR" b="1" dirty="0"/>
+          </a:p>
+        </p:txBody>
+      </p:sp>
+      <p:sp>
+        <p:nvSpPr>
+          <p:cNvPr id="6" name="Rounded Rectangle 5"/>
+          <p:cNvSpPr/>
+          <p:nvPr/>
+        </p:nvSpPr>
+        <p:spPr>
+          <a:xfrm>
+            <a:off x="2631636" y="3957264"/>
+            <a:ext cx="1760219" cy="540268"/>
+          </a:xfrm>
+          <a:prstGeom prst="roundRect">
+            <a:avLst/>
+          </a:prstGeom>
+        </p:spPr>
+        <p:style>
+          <a:lnRef idx="1">
+            <a:schemeClr val="accent4"/>
+          </a:lnRef>
+          <a:fillRef idx="2">
+            <a:schemeClr val="accent4"/>
+          </a:fillRef>
+          <a:effectRef idx="1">
+            <a:schemeClr val="accent4"/>
+          </a:effectRef>
+          <a:fontRef idx="minor">
+            <a:schemeClr val="dk1"/>
+          </a:fontRef>
+        </p:style>
+        <p:txBody>
+          <a:bodyPr rtlCol="0" anchor="ctr"/>
+          <a:lstStyle/>
+          <a:p>
+            <a:pPr algn="ctr"/>
+            <a:r>
+              <a:rPr lang="es-AR" dirty="0" err="1" smtClean="0"/>
+              <a:t>Model</a:t>
+            </a:r>
+            <a:endParaRPr lang="es-AR" dirty="0"/>
+          </a:p>
+        </p:txBody>
+      </p:sp>
+    </p:spTree>
+    <p:extLst>
+      <p:ext uri="{BB962C8B-B14F-4D97-AF65-F5344CB8AC3E}">
+        <p14:creationId xmlns:p14="http://schemas.microsoft.com/office/powerpoint/2010/main" val="4010931163"/>
+      </p:ext>
+    </p:extLst>
+  </p:cSld>
+  <p:clrMapOvr>
+    <a:masterClrMapping/>
+  </p:clrMapOvr>
+</p:sld>
+</file>
+
 <file path=ppt/theme/theme1.xml><?xml version="1.0" encoding="utf-8"?>
 <a:theme xmlns:a="http://schemas.openxmlformats.org/drawingml/2006/main" name="Office Theme">
   <a:themeElements>
